--- a/Azure Security Technologies/01 - Azure Active Directory.pptx
+++ b/Azure Security Technologies/01 - Azure Active Directory.pptx
@@ -119,6 +119,11 @@
       </a:defRPr>
     </a:lvl9pPr>
   </p:defaultTextStyle>
+  <p:extLst>
+    <p:ext uri="{EFAFB233-063F-42B5-8137-9DF3F51BA10A}">
+      <p15:sldGuideLst xmlns:p15="http://schemas.microsoft.com/office/powerpoint/2012/main"/>
+    </p:ext>
+  </p:extLst>
 </p:presentation>
 </file>
 
@@ -5618,7 +5623,7 @@
 </file>
 
 <file path=ppt/slides/slide11.xml><?xml version="1.0" encoding="utf-8"?>
-<p:sld xmlns:a="http://schemas.openxmlformats.org/drawingml/2006/main" xmlns:r="http://schemas.openxmlformats.org/officeDocument/2006/relationships" xmlns:p="http://schemas.openxmlformats.org/presentationml/2006/main">
+<p:sld xmlns:a="http://schemas.openxmlformats.org/drawingml/2006/main" xmlns:r="http://schemas.openxmlformats.org/officeDocument/2006/relationships" xmlns:p="http://schemas.openxmlformats.org/presentationml/2006/main" show="0">
   <p:cSld>
     <p:bg>
       <p:bgPr>
